--- a/docs/Find.pptx
+++ b/docs/Find.pptx
@@ -357,7 +357,7 @@
           <a:p>
             <a:fld id="{9629A0FB-7277-41B0-BEC2-EE35F8B0CE39}" type="datetimeFigureOut">
               <a:rPr lang="en-SG" smtClean="0"/>
-              <a:t>27/3/2020</a:t>
+              <a:t>2/4/2020</a:t>
             </a:fld>
             <a:endParaRPr lang="en-SG"/>
           </a:p>
@@ -4096,62 +4096,6 @@
       </p:sp>
       <p:sp>
         <p:nvSpPr>
-          <p:cNvPr id="17" name="Rectangle 16"/>
-          <p:cNvSpPr/>
-          <p:nvPr/>
-        </p:nvSpPr>
-        <p:spPr>
-          <a:xfrm>
-            <a:off x="603890" y="1721228"/>
-            <a:ext cx="225619" cy="4222372"/>
-          </a:xfrm>
-          <a:prstGeom prst="rect">
-            <a:avLst/>
-          </a:prstGeom>
-          <a:solidFill>
-            <a:schemeClr val="accent2">
-              <a:lumMod val="40000"/>
-              <a:lumOff val="60000"/>
-            </a:schemeClr>
-          </a:solidFill>
-          <a:ln>
-            <a:solidFill>
-              <a:schemeClr val="accent2">
-                <a:lumMod val="60000"/>
-                <a:lumOff val="40000"/>
-              </a:schemeClr>
-            </a:solidFill>
-          </a:ln>
-        </p:spPr>
-        <p:style>
-          <a:lnRef idx="2">
-            <a:schemeClr val="accent4"/>
-          </a:lnRef>
-          <a:fillRef idx="1">
-            <a:schemeClr val="lt1"/>
-          </a:fillRef>
-          <a:effectRef idx="0">
-            <a:schemeClr val="accent4"/>
-          </a:effectRef>
-          <a:fontRef idx="minor">
-            <a:schemeClr val="dk1"/>
-          </a:fontRef>
-        </p:style>
-        <p:txBody>
-          <a:bodyPr rtlCol="0" anchor="ctr"/>
-          <a:lstStyle/>
-          <a:p>
-            <a:pPr algn="ctr" defTabSz="872733"/>
-            <a:endParaRPr lang="en-US" sz="1500">
-              <a:solidFill>
-                <a:prstClr val="black"/>
-              </a:solidFill>
-            </a:endParaRPr>
-          </a:p>
-        </p:txBody>
-      </p:sp>
-      <p:sp>
-        <p:nvSpPr>
           <p:cNvPr id="18" name="Text Box 11"/>
           <p:cNvSpPr txBox="1">
             <a:spLocks noChangeArrowheads="1"/>
@@ -4286,8 +4230,8 @@
         </p:nvSpPr>
         <p:spPr bwMode="auto">
           <a:xfrm flipV="1">
-            <a:off x="823868" y="1898263"/>
-            <a:ext cx="1747815" cy="12191"/>
+            <a:off x="723646" y="1898262"/>
+            <a:ext cx="1848038" cy="0"/>
           </a:xfrm>
           <a:prstGeom prst="line">
             <a:avLst/>
@@ -4324,9 +4268,9 @@
           <p:nvPr/>
         </p:nvSpPr>
         <p:spPr bwMode="auto">
-          <a:xfrm flipV="1">
-            <a:off x="3194468" y="3109930"/>
-            <a:ext cx="2099782" cy="0"/>
+          <a:xfrm>
+            <a:off x="3018094" y="3109580"/>
+            <a:ext cx="2276156" cy="0"/>
           </a:xfrm>
           <a:prstGeom prst="line">
             <a:avLst/>
@@ -4366,7 +4310,7 @@
         </p:nvSpPr>
         <p:spPr bwMode="auto">
           <a:xfrm>
-            <a:off x="808004" y="2320801"/>
+            <a:off x="740708" y="2320800"/>
             <a:ext cx="2500554" cy="323165"/>
           </a:xfrm>
           <a:prstGeom prst="rect">
@@ -4525,8 +4469,8 @@
         </p:nvSpPr>
         <p:spPr bwMode="auto">
           <a:xfrm flipV="1">
-            <a:off x="863760" y="2696243"/>
-            <a:ext cx="2040971" cy="1"/>
+            <a:off x="750529" y="2688299"/>
+            <a:ext cx="2267565" cy="0"/>
           </a:xfrm>
           <a:prstGeom prst="line">
             <a:avLst/>
@@ -4595,61 +4539,6 @@
               <a:rPr lang="en-US" sz="1500" i="1" dirty="0"/>
               <a:t>Parser()</a:t>
             </a:r>
-          </a:p>
-        </p:txBody>
-      </p:sp>
-      <p:sp>
-        <p:nvSpPr>
-          <p:cNvPr id="40" name="Rectangle 39"/>
-          <p:cNvSpPr/>
-          <p:nvPr/>
-        </p:nvSpPr>
-        <p:spPr>
-          <a:xfrm>
-            <a:off x="5946284" y="4066313"/>
-            <a:ext cx="251361" cy="1370068"/>
-          </a:xfrm>
-          <a:prstGeom prst="rect">
-            <a:avLst/>
-          </a:prstGeom>
-          <a:solidFill>
-            <a:schemeClr val="accent3">
-              <a:lumMod val="20000"/>
-              <a:lumOff val="80000"/>
-            </a:schemeClr>
-          </a:solidFill>
-          <a:ln>
-            <a:solidFill>
-              <a:schemeClr val="accent3">
-                <a:lumMod val="75000"/>
-              </a:schemeClr>
-            </a:solidFill>
-          </a:ln>
-        </p:spPr>
-        <p:style>
-          <a:lnRef idx="2">
-            <a:schemeClr val="accent4"/>
-          </a:lnRef>
-          <a:fillRef idx="1">
-            <a:schemeClr val="lt1"/>
-          </a:fillRef>
-          <a:effectRef idx="0">
-            <a:schemeClr val="accent4"/>
-          </a:effectRef>
-          <a:fontRef idx="minor">
-            <a:schemeClr val="dk1"/>
-          </a:fontRef>
-        </p:style>
-        <p:txBody>
-          <a:bodyPr rtlCol="0" anchor="ctr"/>
-          <a:lstStyle/>
-          <a:p>
-            <a:pPr algn="ctr" defTabSz="872733"/>
-            <a:endParaRPr lang="en-US" sz="1500">
-              <a:solidFill>
-                <a:prstClr val="black"/>
-              </a:solidFill>
-            </a:endParaRPr>
           </a:p>
         </p:txBody>
       </p:sp>
@@ -4805,82 +4694,8 @@
                   <a:prstClr val="black"/>
                 </a:solidFill>
               </a:rPr>
-              <a:t>:</a:t>
-            </a:r>
-            <a:r>
-              <a:rPr lang="en-US" sz="1500" dirty="0" err="1">
-                <a:solidFill>
-                  <a:prstClr val="black"/>
-                </a:solidFill>
-              </a:rPr>
-              <a:t>Shoco</a:t>
-            </a:r>
-            <a:endParaRPr lang="en-US" sz="1500" dirty="0">
-              <a:solidFill>
-                <a:prstClr val="black"/>
-              </a:solidFill>
-            </a:endParaRPr>
-          </a:p>
-        </p:txBody>
-      </p:sp>
-      <p:sp>
-        <p:nvSpPr>
-          <p:cNvPr id="44" name="Rectangle 43">
-            <a:extLst>
-              <a:ext uri="{FF2B5EF4-FFF2-40B4-BE49-F238E27FC236}">
-                <a16:creationId xmlns:a16="http://schemas.microsoft.com/office/drawing/2014/main" id="{1ABAE2EE-0C6F-40C9-9F83-C6E45146189B}"/>
-              </a:ext>
-            </a:extLst>
-          </p:cNvPr>
-          <p:cNvSpPr/>
-          <p:nvPr/>
-        </p:nvSpPr>
-        <p:spPr>
-          <a:xfrm>
-            <a:off x="2888219" y="2698465"/>
-            <a:ext cx="286905" cy="893938"/>
-          </a:xfrm>
-          <a:prstGeom prst="rect">
-            <a:avLst/>
-          </a:prstGeom>
-          <a:solidFill>
-            <a:schemeClr val="accent4">
-              <a:lumMod val="40000"/>
-              <a:lumOff val="60000"/>
-            </a:schemeClr>
-          </a:solidFill>
-          <a:ln>
-            <a:solidFill>
-              <a:schemeClr val="accent4">
-                <a:lumMod val="75000"/>
-              </a:schemeClr>
-            </a:solidFill>
-          </a:ln>
-        </p:spPr>
-        <p:style>
-          <a:lnRef idx="2">
-            <a:schemeClr val="accent4"/>
-          </a:lnRef>
-          <a:fillRef idx="1">
-            <a:schemeClr val="lt1"/>
-          </a:fillRef>
-          <a:effectRef idx="0">
-            <a:schemeClr val="accent4"/>
-          </a:effectRef>
-          <a:fontRef idx="minor">
-            <a:schemeClr val="dk1"/>
-          </a:fontRef>
-        </p:style>
-        <p:txBody>
-          <a:bodyPr rtlCol="0" anchor="ctr"/>
-          <a:lstStyle/>
-          <a:p>
-            <a:pPr algn="ctr" defTabSz="872733"/>
-            <a:endParaRPr lang="en-US" sz="1500">
-              <a:solidFill>
-                <a:prstClr val="black"/>
-              </a:solidFill>
-            </a:endParaRPr>
+              <a:t>:Duke</a:t>
+            </a:r>
           </a:p>
         </p:txBody>
       </p:sp>
@@ -4899,9 +4714,9 @@
           <p:nvPr/>
         </p:nvSpPr>
         <p:spPr bwMode="auto">
-          <a:xfrm flipV="1">
-            <a:off x="875317" y="4066312"/>
-            <a:ext cx="5069986" cy="0"/>
+          <a:xfrm>
+            <a:off x="723644" y="4056016"/>
+            <a:ext cx="5346411" cy="0"/>
           </a:xfrm>
           <a:prstGeom prst="line">
             <a:avLst/>
@@ -4947,7 +4762,7 @@
         </p:nvSpPr>
         <p:spPr bwMode="auto">
           <a:xfrm>
-            <a:off x="3174259" y="2826789"/>
+            <a:off x="3118408" y="2759936"/>
             <a:ext cx="2084117" cy="323165"/>
           </a:xfrm>
           <a:prstGeom prst="rect">
@@ -5000,9 +4815,9 @@
           <p:nvPr/>
         </p:nvSpPr>
         <p:spPr bwMode="auto">
-          <a:xfrm flipH="1">
-            <a:off x="852246" y="3573169"/>
-            <a:ext cx="2016629" cy="7945"/>
+          <a:xfrm flipH="1" flipV="1">
+            <a:off x="723644" y="3567104"/>
+            <a:ext cx="2303039" cy="0"/>
           </a:xfrm>
           <a:prstGeom prst="line">
             <a:avLst/>
@@ -5227,66 +5042,6 @@
           </a:p>
         </p:txBody>
       </p:sp>
-      <p:sp>
-        <p:nvSpPr>
-          <p:cNvPr id="53" name="Rectangle 52">
-            <a:extLst>
-              <a:ext uri="{FF2B5EF4-FFF2-40B4-BE49-F238E27FC236}">
-                <a16:creationId xmlns:a16="http://schemas.microsoft.com/office/drawing/2014/main" id="{E7397DF1-A503-43B8-9D46-710440F45D61}"/>
-              </a:ext>
-            </a:extLst>
-          </p:cNvPr>
-          <p:cNvSpPr/>
-          <p:nvPr/>
-        </p:nvSpPr>
-        <p:spPr>
-          <a:xfrm>
-            <a:off x="8173591" y="4367566"/>
-            <a:ext cx="251361" cy="1370067"/>
-          </a:xfrm>
-          <a:prstGeom prst="rect">
-            <a:avLst/>
-          </a:prstGeom>
-          <a:solidFill>
-            <a:schemeClr val="bg2">
-              <a:lumMod val="75000"/>
-            </a:schemeClr>
-          </a:solidFill>
-          <a:ln>
-            <a:solidFill>
-              <a:schemeClr val="bg2">
-                <a:lumMod val="50000"/>
-              </a:schemeClr>
-            </a:solidFill>
-          </a:ln>
-        </p:spPr>
-        <p:style>
-          <a:lnRef idx="2">
-            <a:schemeClr val="accent4"/>
-          </a:lnRef>
-          <a:fillRef idx="1">
-            <a:schemeClr val="lt1"/>
-          </a:fillRef>
-          <a:effectRef idx="0">
-            <a:schemeClr val="accent4"/>
-          </a:effectRef>
-          <a:fontRef idx="minor">
-            <a:schemeClr val="dk1"/>
-          </a:fontRef>
-        </p:style>
-        <p:txBody>
-          <a:bodyPr rtlCol="0" anchor="ctr"/>
-          <a:lstStyle/>
-          <a:p>
-            <a:pPr algn="ctr" defTabSz="872733"/>
-            <a:endParaRPr lang="en-US" sz="1500">
-              <a:solidFill>
-                <a:prstClr val="black"/>
-              </a:solidFill>
-            </a:endParaRPr>
-          </a:p>
-        </p:txBody>
-      </p:sp>
       <p:cxnSp>
         <p:nvCxnSpPr>
           <p:cNvPr id="54" name="Straight Connector 53">
@@ -5389,8 +5144,8 @@
         </p:nvSpPr>
         <p:spPr bwMode="auto">
           <a:xfrm flipH="1" flipV="1">
-            <a:off x="825522" y="5427032"/>
-            <a:ext cx="5106116" cy="1"/>
+            <a:off x="723642" y="5430980"/>
+            <a:ext cx="5346412" cy="0"/>
           </a:xfrm>
           <a:prstGeom prst="line">
             <a:avLst/>
@@ -6015,7 +5770,7 @@
                                           </p:stCondLst>
                                         </p:cTn>
                                         <p:tgtEl>
-                                          <p:spTgt spid="17"/>
+                                          <p:spTgt spid="18"/>
                                         </p:tgtEl>
                                         <p:attrNameLst>
                                           <p:attrName>style.visibility</p:attrName>
@@ -6042,7 +5797,7 @@
                                           </p:stCondLst>
                                         </p:cTn>
                                         <p:tgtEl>
-                                          <p:spTgt spid="18"/>
+                                          <p:spTgt spid="19"/>
                                         </p:tgtEl>
                                         <p:attrNameLst>
                                           <p:attrName>style.visibility</p:attrName>
@@ -6069,7 +5824,7 @@
                                           </p:stCondLst>
                                         </p:cTn>
                                         <p:tgtEl>
-                                          <p:spTgt spid="19"/>
+                                          <p:spTgt spid="20"/>
                                         </p:tgtEl>
                                         <p:attrNameLst>
                                           <p:attrName>style.visibility</p:attrName>
@@ -6083,7 +5838,7 @@
                                 </p:cTn>
                               </p:par>
                               <p:par>
-                                <p:cTn id="21" presetID="1" presetClass="exit" presetSubtype="0" fill="hold" grpId="0" nodeType="withEffect">
+                                <p:cTn id="21" presetID="1" presetClass="exit" presetSubtype="0" fill="hold" grpId="1" nodeType="withEffect">
                                   <p:stCondLst>
                                     <p:cond delay="0"/>
                                   </p:stCondLst>
@@ -6096,7 +5851,7 @@
                                           </p:stCondLst>
                                         </p:cTn>
                                         <p:tgtEl>
-                                          <p:spTgt spid="20"/>
+                                          <p:spTgt spid="24"/>
                                         </p:tgtEl>
                                         <p:attrNameLst>
                                           <p:attrName>style.visibility</p:attrName>
@@ -6123,7 +5878,7 @@
                                           </p:stCondLst>
                                         </p:cTn>
                                         <p:tgtEl>
-                                          <p:spTgt spid="24"/>
+                                          <p:spTgt spid="25"/>
                                         </p:tgtEl>
                                         <p:attrNameLst>
                                           <p:attrName>style.visibility</p:attrName>
@@ -6150,7 +5905,7 @@
                                           </p:stCondLst>
                                         </p:cTn>
                                         <p:tgtEl>
-                                          <p:spTgt spid="25"/>
+                                          <p:spTgt spid="29"/>
                                         </p:tgtEl>
                                         <p:attrNameLst>
                                           <p:attrName>style.visibility</p:attrName>
@@ -6164,7 +5919,7 @@
                                 </p:cTn>
                               </p:par>
                               <p:par>
-                                <p:cTn id="27" presetID="1" presetClass="exit" presetSubtype="0" fill="hold" grpId="1" nodeType="withEffect">
+                                <p:cTn id="27" presetID="1" presetClass="exit" presetSubtype="0" fill="hold" grpId="0" nodeType="withEffect">
                                   <p:stCondLst>
                                     <p:cond delay="0"/>
                                   </p:stCondLst>
@@ -6177,7 +5932,7 @@
                                           </p:stCondLst>
                                         </p:cTn>
                                         <p:tgtEl>
-                                          <p:spTgt spid="29"/>
+                                          <p:spTgt spid="33"/>
                                         </p:tgtEl>
                                         <p:attrNameLst>
                                           <p:attrName>style.visibility</p:attrName>
@@ -6204,7 +5959,7 @@
                                           </p:stCondLst>
                                         </p:cTn>
                                         <p:tgtEl>
-                                          <p:spTgt spid="33"/>
+                                          <p:spTgt spid="34"/>
                                         </p:tgtEl>
                                         <p:attrNameLst>
                                           <p:attrName>style.visibility</p:attrName>
@@ -6231,7 +5986,7 @@
                                           </p:stCondLst>
                                         </p:cTn>
                                         <p:tgtEl>
-                                          <p:spTgt spid="34"/>
+                                          <p:spTgt spid="38"/>
                                         </p:tgtEl>
                                         <p:attrNameLst>
                                           <p:attrName>style.visibility</p:attrName>
@@ -6258,7 +6013,7 @@
                                           </p:stCondLst>
                                         </p:cTn>
                                         <p:tgtEl>
-                                          <p:spTgt spid="38"/>
+                                          <p:spTgt spid="42"/>
                                         </p:tgtEl>
                                         <p:attrNameLst>
                                           <p:attrName>style.visibility</p:attrName>
@@ -6285,88 +6040,7 @@
                                           </p:stCondLst>
                                         </p:cTn>
                                         <p:tgtEl>
-                                          <p:spTgt spid="40"/>
-                                        </p:tgtEl>
-                                        <p:attrNameLst>
-                                          <p:attrName>style.visibility</p:attrName>
-                                        </p:attrNameLst>
-                                      </p:cBhvr>
-                                      <p:to>
-                                        <p:strVal val="hidden"/>
-                                      </p:to>
-                                    </p:set>
-                                  </p:childTnLst>
-                                </p:cTn>
-                              </p:par>
-                              <p:par>
-                                <p:cTn id="37" presetID="1" presetClass="exit" presetSubtype="0" fill="hold" grpId="0" nodeType="withEffect">
-                                  <p:stCondLst>
-                                    <p:cond delay="0"/>
-                                  </p:stCondLst>
-                                  <p:childTnLst>
-                                    <p:set>
-                                      <p:cBhvr>
-                                        <p:cTn id="38" dur="1" fill="hold">
-                                          <p:stCondLst>
-                                            <p:cond delay="0"/>
-                                          </p:stCondLst>
-                                        </p:cTn>
-                                        <p:tgtEl>
-                                          <p:spTgt spid="42"/>
-                                        </p:tgtEl>
-                                        <p:attrNameLst>
-                                          <p:attrName>style.visibility</p:attrName>
-                                        </p:attrNameLst>
-                                      </p:cBhvr>
-                                      <p:to>
-                                        <p:strVal val="hidden"/>
-                                      </p:to>
-                                    </p:set>
-                                  </p:childTnLst>
-                                </p:cTn>
-                              </p:par>
-                              <p:par>
-                                <p:cTn id="39" presetID="1" presetClass="exit" presetSubtype="0" fill="hold" grpId="0" nodeType="withEffect">
-                                  <p:stCondLst>
-                                    <p:cond delay="0"/>
-                                  </p:stCondLst>
-                                  <p:childTnLst>
-                                    <p:set>
-                                      <p:cBhvr>
-                                        <p:cTn id="40" dur="1" fill="hold">
-                                          <p:stCondLst>
-                                            <p:cond delay="0"/>
-                                          </p:stCondLst>
-                                        </p:cTn>
-                                        <p:tgtEl>
                                           <p:spTgt spid="43"/>
-                                        </p:tgtEl>
-                                        <p:attrNameLst>
-                                          <p:attrName>style.visibility</p:attrName>
-                                        </p:attrNameLst>
-                                      </p:cBhvr>
-                                      <p:to>
-                                        <p:strVal val="hidden"/>
-                                      </p:to>
-                                    </p:set>
-                                  </p:childTnLst>
-                                </p:cTn>
-                              </p:par>
-                              <p:par>
-                                <p:cTn id="41" presetID="1" presetClass="exit" presetSubtype="0" fill="hold" grpId="0" nodeType="withEffect">
-                                  <p:stCondLst>
-                                    <p:cond delay="0"/>
-                                  </p:stCondLst>
-                                  <p:childTnLst>
-                                    <p:set>
-                                      <p:cBhvr>
-                                        <p:cTn id="42" dur="1" fill="hold">
-                                          <p:stCondLst>
-                                            <p:cond delay="0"/>
-                                          </p:stCondLst>
-                                        </p:cTn>
-                                        <p:tgtEl>
-                                          <p:spTgt spid="44"/>
                                         </p:tgtEl>
                                         <p:attrNameLst>
                                           <p:attrName>style.visibility</p:attrName>
@@ -6386,26 +6060,26 @@
                     </p:cTn>
                   </p:par>
                   <p:par>
-                    <p:cTn id="43" fill="hold">
+                    <p:cTn id="37" fill="hold">
                       <p:stCondLst>
                         <p:cond delay="indefinite"/>
                       </p:stCondLst>
                       <p:childTnLst>
                         <p:par>
-                          <p:cTn id="44" fill="hold">
+                          <p:cTn id="38" fill="hold">
                             <p:stCondLst>
                               <p:cond delay="0"/>
                             </p:stCondLst>
                             <p:childTnLst>
                               <p:par>
-                                <p:cTn id="45" presetID="1" presetClass="entr" presetSubtype="0" fill="hold" grpId="0" nodeType="clickEffect">
+                                <p:cTn id="39" presetID="1" presetClass="entr" presetSubtype="0" fill="hold" grpId="0" nodeType="clickEffect">
                                   <p:stCondLst>
                                     <p:cond delay="0"/>
                                   </p:stCondLst>
                                   <p:childTnLst>
                                     <p:set>
                                       <p:cBhvr>
-                                        <p:cTn id="46" dur="1" fill="hold">
+                                        <p:cTn id="40" dur="1" fill="hold">
                                           <p:stCondLst>
                                             <p:cond delay="0"/>
                                           </p:stCondLst>
@@ -6425,7 +6099,88 @@
                                 </p:cTn>
                               </p:par>
                               <p:par>
-                                <p:cTn id="47" presetID="1" presetClass="exit" presetSubtype="0" fill="hold" grpId="1" nodeType="withEffect">
+                                <p:cTn id="41" presetID="1" presetClass="exit" presetSubtype="0" fill="hold" grpId="1" nodeType="withEffect">
+                                  <p:stCondLst>
+                                    <p:cond delay="0"/>
+                                  </p:stCondLst>
+                                  <p:childTnLst>
+                                    <p:set>
+                                      <p:cBhvr>
+                                        <p:cTn id="42" dur="1" fill="hold">
+                                          <p:stCondLst>
+                                            <p:cond delay="0"/>
+                                          </p:stCondLst>
+                                        </p:cTn>
+                                        <p:tgtEl>
+                                          <p:spTgt spid="45"/>
+                                        </p:tgtEl>
+                                        <p:attrNameLst>
+                                          <p:attrName>style.visibility</p:attrName>
+                                        </p:attrNameLst>
+                                      </p:cBhvr>
+                                      <p:to>
+                                        <p:strVal val="hidden"/>
+                                      </p:to>
+                                    </p:set>
+                                  </p:childTnLst>
+                                </p:cTn>
+                              </p:par>
+                              <p:par>
+                                <p:cTn id="43" presetID="1" presetClass="entr" presetSubtype="0" fill="hold" grpId="0" nodeType="withEffect">
+                                  <p:stCondLst>
+                                    <p:cond delay="0"/>
+                                  </p:stCondLst>
+                                  <p:childTnLst>
+                                    <p:set>
+                                      <p:cBhvr>
+                                        <p:cTn id="44" dur="1" fill="hold">
+                                          <p:stCondLst>
+                                            <p:cond delay="0"/>
+                                          </p:stCondLst>
+                                        </p:cTn>
+                                        <p:tgtEl>
+                                          <p:spTgt spid="47"/>
+                                        </p:tgtEl>
+                                        <p:attrNameLst>
+                                          <p:attrName>style.visibility</p:attrName>
+                                        </p:attrNameLst>
+                                      </p:cBhvr>
+                                      <p:to>
+                                        <p:strVal val="visible"/>
+                                      </p:to>
+                                    </p:set>
+                                  </p:childTnLst>
+                                </p:cTn>
+                              </p:par>
+                              <p:par>
+                                <p:cTn id="45" presetID="1" presetClass="exit" presetSubtype="0" fill="hold" grpId="1" nodeType="withEffect">
+                                  <p:stCondLst>
+                                    <p:cond delay="0"/>
+                                  </p:stCondLst>
+                                  <p:childTnLst>
+                                    <p:set>
+                                      <p:cBhvr>
+                                        <p:cTn id="46" dur="1" fill="hold">
+                                          <p:stCondLst>
+                                            <p:cond delay="0"/>
+                                          </p:stCondLst>
+                                        </p:cTn>
+                                        <p:tgtEl>
+                                          <p:spTgt spid="47"/>
+                                        </p:tgtEl>
+                                        <p:attrNameLst>
+                                          <p:attrName>style.visibility</p:attrName>
+                                        </p:attrNameLst>
+                                      </p:cBhvr>
+                                      <p:to>
+                                        <p:strVal val="hidden"/>
+                                      </p:to>
+                                    </p:set>
+                                  </p:childTnLst>
+                                </p:cTn>
+                              </p:par>
+                              <p:par>
+                                <p:cTn id="47" presetID="1" presetClass="exit" presetSubtype="0" fill="hold" grpId="0" nodeType="withEffect">
                                   <p:stCondLst>
                                     <p:cond delay="0"/>
                                   </p:stCondLst>
@@ -6438,7 +6193,7 @@
                                           </p:stCondLst>
                                         </p:cTn>
                                         <p:tgtEl>
-                                          <p:spTgt spid="45"/>
+                                          <p:spTgt spid="48"/>
                                         </p:tgtEl>
                                         <p:attrNameLst>
                                           <p:attrName>style.visibility</p:attrName>
@@ -6465,7 +6220,7 @@
                                           </p:stCondLst>
                                         </p:cTn>
                                         <p:tgtEl>
-                                          <p:spTgt spid="47"/>
+                                          <p:spTgt spid="51"/>
                                         </p:tgtEl>
                                         <p:attrNameLst>
                                           <p:attrName>style.visibility</p:attrName>
@@ -6492,7 +6247,7 @@
                                           </p:stCondLst>
                                         </p:cTn>
                                         <p:tgtEl>
-                                          <p:spTgt spid="47"/>
+                                          <p:spTgt spid="51"/>
                                         </p:tgtEl>
                                         <p:attrNameLst>
                                           <p:attrName>style.visibility</p:attrName>
@@ -6519,87 +6274,6 @@
                                           </p:stCondLst>
                                         </p:cTn>
                                         <p:tgtEl>
-                                          <p:spTgt spid="48"/>
-                                        </p:tgtEl>
-                                        <p:attrNameLst>
-                                          <p:attrName>style.visibility</p:attrName>
-                                        </p:attrNameLst>
-                                      </p:cBhvr>
-                                      <p:to>
-                                        <p:strVal val="hidden"/>
-                                      </p:to>
-                                    </p:set>
-                                  </p:childTnLst>
-                                </p:cTn>
-                              </p:par>
-                              <p:par>
-                                <p:cTn id="55" presetID="1" presetClass="entr" presetSubtype="0" fill="hold" grpId="0" nodeType="withEffect">
-                                  <p:stCondLst>
-                                    <p:cond delay="0"/>
-                                  </p:stCondLst>
-                                  <p:childTnLst>
-                                    <p:set>
-                                      <p:cBhvr>
-                                        <p:cTn id="56" dur="1" fill="hold">
-                                          <p:stCondLst>
-                                            <p:cond delay="0"/>
-                                          </p:stCondLst>
-                                        </p:cTn>
-                                        <p:tgtEl>
-                                          <p:spTgt spid="51"/>
-                                        </p:tgtEl>
-                                        <p:attrNameLst>
-                                          <p:attrName>style.visibility</p:attrName>
-                                        </p:attrNameLst>
-                                      </p:cBhvr>
-                                      <p:to>
-                                        <p:strVal val="visible"/>
-                                      </p:to>
-                                    </p:set>
-                                  </p:childTnLst>
-                                </p:cTn>
-                              </p:par>
-                              <p:par>
-                                <p:cTn id="57" presetID="1" presetClass="exit" presetSubtype="0" fill="hold" grpId="1" nodeType="withEffect">
-                                  <p:stCondLst>
-                                    <p:cond delay="0"/>
-                                  </p:stCondLst>
-                                  <p:childTnLst>
-                                    <p:set>
-                                      <p:cBhvr>
-                                        <p:cTn id="58" dur="1" fill="hold">
-                                          <p:stCondLst>
-                                            <p:cond delay="0"/>
-                                          </p:stCondLst>
-                                        </p:cTn>
-                                        <p:tgtEl>
-                                          <p:spTgt spid="51"/>
-                                        </p:tgtEl>
-                                        <p:attrNameLst>
-                                          <p:attrName>style.visibility</p:attrName>
-                                        </p:attrNameLst>
-                                      </p:cBhvr>
-                                      <p:to>
-                                        <p:strVal val="hidden"/>
-                                      </p:to>
-                                    </p:set>
-                                  </p:childTnLst>
-                                </p:cTn>
-                              </p:par>
-                              <p:par>
-                                <p:cTn id="59" presetID="1" presetClass="exit" presetSubtype="0" fill="hold" grpId="0" nodeType="withEffect">
-                                  <p:stCondLst>
-                                    <p:cond delay="0"/>
-                                  </p:stCondLst>
-                                  <p:childTnLst>
-                                    <p:set>
-                                      <p:cBhvr>
-                                        <p:cTn id="60" dur="1" fill="hold">
-                                          <p:stCondLst>
-                                            <p:cond delay="0"/>
-                                          </p:stCondLst>
-                                        </p:cTn>
-                                        <p:tgtEl>
                                           <p:spTgt spid="52"/>
                                         </p:tgtEl>
                                         <p:attrNameLst>
@@ -6614,41 +6288,14 @@
                                 </p:cTn>
                               </p:par>
                               <p:par>
-                                <p:cTn id="61" presetID="1" presetClass="exit" presetSubtype="0" fill="hold" grpId="0" nodeType="withEffect">
+                                <p:cTn id="55" presetID="1" presetClass="exit" presetSubtype="0" fill="hold" grpId="0" nodeType="withEffect">
                                   <p:stCondLst>
                                     <p:cond delay="0"/>
                                   </p:stCondLst>
                                   <p:childTnLst>
                                     <p:set>
                                       <p:cBhvr>
-                                        <p:cTn id="62" dur="1" fill="hold">
-                                          <p:stCondLst>
-                                            <p:cond delay="0"/>
-                                          </p:stCondLst>
-                                        </p:cTn>
-                                        <p:tgtEl>
-                                          <p:spTgt spid="53"/>
-                                        </p:tgtEl>
-                                        <p:attrNameLst>
-                                          <p:attrName>style.visibility</p:attrName>
-                                        </p:attrNameLst>
-                                      </p:cBhvr>
-                                      <p:to>
-                                        <p:strVal val="hidden"/>
-                                      </p:to>
-                                    </p:set>
-                                  </p:childTnLst>
-                                </p:cTn>
-                              </p:par>
-                              <p:par>
-                                <p:cTn id="63" presetID="1" presetClass="exit" presetSubtype="0" fill="hold" grpId="0" nodeType="withEffect">
-                                  <p:stCondLst>
-                                    <p:cond delay="0"/>
-                                  </p:stCondLst>
-                                  <p:childTnLst>
-                                    <p:set>
-                                      <p:cBhvr>
-                                        <p:cTn id="64" dur="1" fill="hold">
+                                        <p:cTn id="56" dur="1" fill="hold">
                                           <p:stCondLst>
                                             <p:cond delay="0"/>
                                           </p:stCondLst>
@@ -6668,14 +6315,14 @@
                                 </p:cTn>
                               </p:par>
                               <p:par>
-                                <p:cTn id="65" presetID="1" presetClass="entr" presetSubtype="0" fill="hold" grpId="0" nodeType="withEffect">
+                                <p:cTn id="57" presetID="1" presetClass="entr" presetSubtype="0" fill="hold" grpId="0" nodeType="withEffect">
                                   <p:stCondLst>
                                     <p:cond delay="0"/>
                                   </p:stCondLst>
                                   <p:childTnLst>
                                     <p:set>
                                       <p:cBhvr>
-                                        <p:cTn id="66" dur="1" fill="hold">
+                                        <p:cTn id="58" dur="1" fill="hold">
                                           <p:stCondLst>
                                             <p:cond delay="0"/>
                                           </p:stCondLst>
@@ -6695,14 +6342,14 @@
                                 </p:cTn>
                               </p:par>
                               <p:par>
-                                <p:cTn id="67" presetID="1" presetClass="entr" presetSubtype="0" fill="hold" grpId="0" nodeType="withEffect">
+                                <p:cTn id="59" presetID="1" presetClass="entr" presetSubtype="0" fill="hold" grpId="0" nodeType="withEffect">
                                   <p:stCondLst>
                                     <p:cond delay="0"/>
                                   </p:stCondLst>
                                   <p:childTnLst>
                                     <p:set>
                                       <p:cBhvr>
-                                        <p:cTn id="68" dur="1" fill="hold">
+                                        <p:cTn id="60" dur="1" fill="hold">
                                           <p:stCondLst>
                                             <p:cond delay="0"/>
                                           </p:stCondLst>
@@ -6722,14 +6369,14 @@
                                 </p:cTn>
                               </p:par>
                               <p:par>
-                                <p:cTn id="69" presetID="1" presetClass="entr" presetSubtype="0" fill="hold" grpId="0" nodeType="withEffect">
+                                <p:cTn id="61" presetID="1" presetClass="entr" presetSubtype="0" fill="hold" grpId="0" nodeType="withEffect">
                                   <p:stCondLst>
                                     <p:cond delay="0"/>
                                   </p:stCondLst>
                                   <p:childTnLst>
                                     <p:set>
                                       <p:cBhvr>
-                                        <p:cTn id="70" dur="1" fill="hold">
+                                        <p:cTn id="62" dur="1" fill="hold">
                                           <p:stCondLst>
                                             <p:cond delay="0"/>
                                           </p:stCondLst>
@@ -6778,7 +6425,6 @@
     <p:bldLst>
       <p:bldP spid="5" grpId="0" animBg="1"/>
       <p:bldP spid="6" grpId="0" animBg="1"/>
-      <p:bldP spid="17" grpId="0" animBg="1"/>
       <p:bldP spid="18" grpId="0" animBg="1"/>
       <p:bldP spid="19" grpId="0" animBg="1"/>
       <p:bldP spid="20" grpId="0" animBg="1"/>
@@ -6791,10 +6437,8 @@
       <p:bldP spid="33" grpId="0" animBg="1"/>
       <p:bldP spid="34" grpId="0" animBg="1"/>
       <p:bldP spid="38" grpId="0"/>
-      <p:bldP spid="40" grpId="0" animBg="1"/>
       <p:bldP spid="42" grpId="0" animBg="1"/>
       <p:bldP spid="43" grpId="0" animBg="1"/>
-      <p:bldP spid="44" grpId="0" animBg="1"/>
       <p:bldP spid="45" grpId="0" animBg="1"/>
       <p:bldP spid="45" grpId="1" animBg="1"/>
       <p:bldP spid="47" grpId="0"/>
@@ -6803,7 +6447,6 @@
       <p:bldP spid="51" grpId="0"/>
       <p:bldP spid="51" grpId="1"/>
       <p:bldP spid="52" grpId="0" animBg="1"/>
-      <p:bldP spid="53" grpId="0" animBg="1"/>
       <p:bldP spid="30" grpId="0" animBg="1"/>
       <p:bldP spid="32" grpId="0" animBg="1"/>
       <p:bldP spid="35" grpId="0" animBg="1"/>

--- a/docs/Find.pptx
+++ b/docs/Find.pptx
@@ -3980,7 +3980,7 @@
         <p:spPr bwMode="auto">
           <a:xfrm flipH="1">
             <a:off x="723645" y="1440949"/>
-            <a:ext cx="5124" cy="4822691"/>
+            <a:ext cx="0" cy="4822691"/>
           </a:xfrm>
           <a:prstGeom prst="line">
             <a:avLst/>
@@ -4177,7 +4177,7 @@
         <p:spPr bwMode="auto">
           <a:xfrm flipH="1">
             <a:off x="3018095" y="2137789"/>
-            <a:ext cx="8589" cy="1590924"/>
+            <a:ext cx="0" cy="1590924"/>
           </a:xfrm>
           <a:prstGeom prst="line">
             <a:avLst/>
@@ -4999,7 +4999,7 @@
         <p:spPr bwMode="auto">
           <a:xfrm>
             <a:off x="8299271" y="3740236"/>
-            <a:ext cx="1346" cy="2592151"/>
+            <a:ext cx="0" cy="2592151"/>
           </a:xfrm>
           <a:prstGeom prst="line">
             <a:avLst/>
